--- a/ex_33/proj-comms.pptx
+++ b/ex_33/proj-comms.pptx
@@ -104,6 +104,11 @@
       </a:defRPr>
     </a:lvl9pPr>
   </p:defaultTextStyle>
+  <p:extLst>
+    <p:ext uri="{EFAFB233-063F-42B5-8137-9DF3F51BA10A}">
+      <p15:sldGuideLst xmlns:p15="http://schemas.microsoft.com/office/powerpoint/2012/main"/>
+    </p:ext>
+  </p:extLst>
 </p:presentation>
 </file>
 
@@ -3527,7 +3532,7 @@
         </p:nvSpPr>
         <p:spPr>
           <a:xfrm>
-            <a:off x="1959864" y="1611505"/>
+            <a:off x="2727960" y="1560576"/>
             <a:ext cx="2033016" cy="1584960"/>
           </a:xfrm>
           <a:prstGeom prst="rect">
@@ -3962,6 +3967,122 @@
               <a:t>Project should know which service to talk to</a:t>
             </a:r>
             <a:endParaRPr lang="en-US" dirty="0"/>
+          </a:p>
+        </p:txBody>
+      </p:sp>
+      <p:sp>
+        <p:nvSpPr>
+          <p:cNvPr id="2" name="TextBox 1">
+            <a:extLst>
+              <a:ext uri="{FF2B5EF4-FFF2-40B4-BE49-F238E27FC236}">
+                <a16:creationId xmlns:a16="http://schemas.microsoft.com/office/drawing/2014/main" id="{43AE5196-E3C6-B874-55D1-9C2B0F083AC2}"/>
+              </a:ext>
+            </a:extLst>
+          </p:cNvPr>
+          <p:cNvSpPr txBox="1"/>
+          <p:nvPr/>
+        </p:nvSpPr>
+        <p:spPr>
+          <a:xfrm>
+            <a:off x="890016" y="1371159"/>
+            <a:ext cx="1813560" cy="923330"/>
+          </a:xfrm>
+          <a:prstGeom prst="rect">
+            <a:avLst/>
+          </a:prstGeom>
+          <a:noFill/>
+        </p:spPr>
+        <p:txBody>
+          <a:bodyPr wrap="square" rtlCol="0">
+            <a:spAutoFit/>
+          </a:bodyPr>
+          <a:lstStyle/>
+          <a:p>
+            <a:r>
+              <a:rPr lang="en-GB" dirty="0"/>
+              <a:t>1.1. </a:t>
+            </a:r>
+            <a:r>
+              <a:rPr lang="en-GB" dirty="0" err="1"/>
+              <a:t>npm</a:t>
+            </a:r>
+            <a:r>
+              <a:rPr lang="en-GB" dirty="0"/>
+              <a:t>  </a:t>
+            </a:r>
+            <a:r>
+              <a:rPr lang="en-GB" dirty="0" err="1"/>
+              <a:t>init</a:t>
+            </a:r>
+            <a:endParaRPr lang="en-GB" dirty="0"/>
+          </a:p>
+          <a:p>
+            <a:r>
+              <a:rPr lang="en-GB" dirty="0"/>
+              <a:t>1.2. ui5 </a:t>
+            </a:r>
+            <a:r>
+              <a:rPr lang="en-GB" dirty="0" err="1"/>
+              <a:t>init</a:t>
+            </a:r>
+            <a:endParaRPr lang="en-GB" dirty="0"/>
+          </a:p>
+          <a:p>
+            <a:r>
+              <a:rPr lang="en-GB" dirty="0"/>
+              <a:t>1.3. </a:t>
+            </a:r>
+            <a:r>
+              <a:rPr lang="en-GB" dirty="0" err="1"/>
+              <a:t>xs-app.json</a:t>
+            </a:r>
+            <a:endParaRPr lang="en-US" dirty="0"/>
+          </a:p>
+        </p:txBody>
+      </p:sp>
+      <p:sp>
+        <p:nvSpPr>
+          <p:cNvPr id="3" name="TextBox 2">
+            <a:extLst>
+              <a:ext uri="{FF2B5EF4-FFF2-40B4-BE49-F238E27FC236}">
+                <a16:creationId xmlns:a16="http://schemas.microsoft.com/office/drawing/2014/main" id="{3FF1678F-E4B9-D22B-7599-5ACA0909B274}"/>
+              </a:ext>
+            </a:extLst>
+          </p:cNvPr>
+          <p:cNvSpPr txBox="1"/>
+          <p:nvPr/>
+        </p:nvSpPr>
+        <p:spPr>
+          <a:xfrm>
+            <a:off x="708660" y="2353056"/>
+            <a:ext cx="2007108" cy="646331"/>
+          </a:xfrm>
+          <a:prstGeom prst="rect">
+            <a:avLst/>
+          </a:prstGeom>
+          <a:noFill/>
+        </p:spPr>
+        <p:txBody>
+          <a:bodyPr wrap="square" rtlCol="0">
+            <a:spAutoFit/>
+          </a:bodyPr>
+          <a:lstStyle/>
+          <a:p>
+            <a:r>
+              <a:rPr lang="en-GB" dirty="0"/>
+              <a:t>2.1. </a:t>
+            </a:r>
+            <a:r>
+              <a:rPr lang="en-GB" dirty="0" err="1"/>
+              <a:t>manifest.json</a:t>
+            </a:r>
+            <a:endParaRPr lang="en-GB" dirty="0"/>
+          </a:p>
+          <a:p>
+            <a:r>
+              <a:rPr lang="en-GB" dirty="0"/>
+              <a:t>Service , Model</a:t>
+            </a:r>
           </a:p>
         </p:txBody>
       </p:sp>

--- a/ex_33/proj-comms.pptx
+++ b/ex_33/proj-comms.pptx
@@ -4083,6 +4083,106 @@
               <a:rPr lang="en-GB" dirty="0"/>
               <a:t>Service , Model</a:t>
             </a:r>
+          </a:p>
+        </p:txBody>
+      </p:sp>
+      <p:sp>
+        <p:nvSpPr>
+          <p:cNvPr id="10" name="Arrow: Left 9">
+            <a:extLst>
+              <a:ext uri="{FF2B5EF4-FFF2-40B4-BE49-F238E27FC236}">
+                <a16:creationId xmlns:a16="http://schemas.microsoft.com/office/drawing/2014/main" id="{12EC96F1-58DD-DBC5-A4A2-6446EB9C1A76}"/>
+              </a:ext>
+            </a:extLst>
+          </p:cNvPr>
+          <p:cNvSpPr/>
+          <p:nvPr/>
+        </p:nvSpPr>
+        <p:spPr>
+          <a:xfrm rot="13365650">
+            <a:off x="2981839" y="3359115"/>
+            <a:ext cx="1694607" cy="367457"/>
+          </a:xfrm>
+          <a:prstGeom prst="leftArrow">
+            <a:avLst/>
+          </a:prstGeom>
+          <a:solidFill>
+            <a:schemeClr val="accent5">
+              <a:lumMod val="60000"/>
+              <a:lumOff val="40000"/>
+            </a:schemeClr>
+          </a:solidFill>
+        </p:spPr>
+        <p:style>
+          <a:lnRef idx="2">
+            <a:schemeClr val="accent1">
+              <a:shade val="15000"/>
+            </a:schemeClr>
+          </a:lnRef>
+          <a:fillRef idx="1">
+            <a:schemeClr val="accent1"/>
+          </a:fillRef>
+          <a:effectRef idx="0">
+            <a:schemeClr val="accent1"/>
+          </a:effectRef>
+          <a:fontRef idx="minor">
+            <a:schemeClr val="lt1"/>
+          </a:fontRef>
+        </p:style>
+        <p:txBody>
+          <a:bodyPr rtlCol="0" anchor="ctr"/>
+          <a:lstStyle/>
+          <a:p>
+            <a:pPr algn="ctr"/>
+            <a:endParaRPr lang="en-US"/>
+          </a:p>
+        </p:txBody>
+      </p:sp>
+      <p:sp>
+        <p:nvSpPr>
+          <p:cNvPr id="14" name="TextBox 13">
+            <a:extLst>
+              <a:ext uri="{FF2B5EF4-FFF2-40B4-BE49-F238E27FC236}">
+                <a16:creationId xmlns:a16="http://schemas.microsoft.com/office/drawing/2014/main" id="{DA275CF6-387C-0480-257B-7F9BE3EEC39F}"/>
+              </a:ext>
+            </a:extLst>
+          </p:cNvPr>
+          <p:cNvSpPr txBox="1"/>
+          <p:nvPr/>
+        </p:nvSpPr>
+        <p:spPr>
+          <a:xfrm>
+            <a:off x="2023872" y="5861745"/>
+            <a:ext cx="8019288" cy="369332"/>
+          </a:xfrm>
+          <a:prstGeom prst="rect">
+            <a:avLst/>
+          </a:prstGeom>
+          <a:noFill/>
+        </p:spPr>
+        <p:txBody>
+          <a:bodyPr wrap="square" rtlCol="0">
+            <a:spAutoFit/>
+          </a:bodyPr>
+          <a:lstStyle/>
+          <a:p>
+            <a:r>
+              <a:rPr lang="en-GB" dirty="0"/>
+              <a:t>To make the project contact the destination we need to do </a:t>
+            </a:r>
+            <a:r>
+              <a:rPr lang="en-GB" b="1" dirty="0">
+                <a:solidFill>
+                  <a:srgbClr val="FF0000"/>
+                </a:solidFill>
+              </a:rPr>
+              <a:t>Run configurations</a:t>
+            </a:r>
+            <a:endParaRPr lang="en-US" b="1" dirty="0">
+              <a:solidFill>
+                <a:srgbClr val="FF0000"/>
+              </a:solidFill>
+            </a:endParaRPr>
           </a:p>
         </p:txBody>
       </p:sp>
